--- a/flujo DMS.pptx
+++ b/flujo DMS.pptx
@@ -243,7 +243,7 @@
           <a:p>
             <a:fld id="{0695B4E1-1404-4329-AEB3-429727636979}" type="datetimeFigureOut">
               <a:rPr lang="es-MX" smtClean="0"/>
-              <a:t>30/10/2025</a:t>
+              <a:t>04/11/2025</a:t>
             </a:fld>
             <a:endParaRPr lang="es-MX"/>
           </a:p>
@@ -413,7 +413,7 @@
           <a:p>
             <a:fld id="{0695B4E1-1404-4329-AEB3-429727636979}" type="datetimeFigureOut">
               <a:rPr lang="es-MX" smtClean="0"/>
-              <a:t>30/10/2025</a:t>
+              <a:t>04/11/2025</a:t>
             </a:fld>
             <a:endParaRPr lang="es-MX"/>
           </a:p>
@@ -593,7 +593,7 @@
           <a:p>
             <a:fld id="{0695B4E1-1404-4329-AEB3-429727636979}" type="datetimeFigureOut">
               <a:rPr lang="es-MX" smtClean="0"/>
-              <a:t>30/10/2025</a:t>
+              <a:t>04/11/2025</a:t>
             </a:fld>
             <a:endParaRPr lang="es-MX"/>
           </a:p>
@@ -763,7 +763,7 @@
           <a:p>
             <a:fld id="{0695B4E1-1404-4329-AEB3-429727636979}" type="datetimeFigureOut">
               <a:rPr lang="es-MX" smtClean="0"/>
-              <a:t>30/10/2025</a:t>
+              <a:t>04/11/2025</a:t>
             </a:fld>
             <a:endParaRPr lang="es-MX"/>
           </a:p>
@@ -1009,7 +1009,7 @@
           <a:p>
             <a:fld id="{0695B4E1-1404-4329-AEB3-429727636979}" type="datetimeFigureOut">
               <a:rPr lang="es-MX" smtClean="0"/>
-              <a:t>30/10/2025</a:t>
+              <a:t>04/11/2025</a:t>
             </a:fld>
             <a:endParaRPr lang="es-MX"/>
           </a:p>
@@ -1241,7 +1241,7 @@
           <a:p>
             <a:fld id="{0695B4E1-1404-4329-AEB3-429727636979}" type="datetimeFigureOut">
               <a:rPr lang="es-MX" smtClean="0"/>
-              <a:t>30/10/2025</a:t>
+              <a:t>04/11/2025</a:t>
             </a:fld>
             <a:endParaRPr lang="es-MX"/>
           </a:p>
@@ -1608,7 +1608,7 @@
           <a:p>
             <a:fld id="{0695B4E1-1404-4329-AEB3-429727636979}" type="datetimeFigureOut">
               <a:rPr lang="es-MX" smtClean="0"/>
-              <a:t>30/10/2025</a:t>
+              <a:t>04/11/2025</a:t>
             </a:fld>
             <a:endParaRPr lang="es-MX"/>
           </a:p>
@@ -1726,7 +1726,7 @@
           <a:p>
             <a:fld id="{0695B4E1-1404-4329-AEB3-429727636979}" type="datetimeFigureOut">
               <a:rPr lang="es-MX" smtClean="0"/>
-              <a:t>30/10/2025</a:t>
+              <a:t>04/11/2025</a:t>
             </a:fld>
             <a:endParaRPr lang="es-MX"/>
           </a:p>
@@ -1821,7 +1821,7 @@
           <a:p>
             <a:fld id="{0695B4E1-1404-4329-AEB3-429727636979}" type="datetimeFigureOut">
               <a:rPr lang="es-MX" smtClean="0"/>
-              <a:t>30/10/2025</a:t>
+              <a:t>04/11/2025</a:t>
             </a:fld>
             <a:endParaRPr lang="es-MX"/>
           </a:p>
@@ -2098,7 +2098,7 @@
           <a:p>
             <a:fld id="{0695B4E1-1404-4329-AEB3-429727636979}" type="datetimeFigureOut">
               <a:rPr lang="es-MX" smtClean="0"/>
-              <a:t>30/10/2025</a:t>
+              <a:t>04/11/2025</a:t>
             </a:fld>
             <a:endParaRPr lang="es-MX"/>
           </a:p>
@@ -2355,7 +2355,7 @@
           <a:p>
             <a:fld id="{0695B4E1-1404-4329-AEB3-429727636979}" type="datetimeFigureOut">
               <a:rPr lang="es-MX" smtClean="0"/>
-              <a:t>30/10/2025</a:t>
+              <a:t>04/11/2025</a:t>
             </a:fld>
             <a:endParaRPr lang="es-MX"/>
           </a:p>
@@ -2568,7 +2568,7 @@
           <a:p>
             <a:fld id="{0695B4E1-1404-4329-AEB3-429727636979}" type="datetimeFigureOut">
               <a:rPr lang="es-MX" smtClean="0"/>
-              <a:t>30/10/2025</a:t>
+              <a:t>04/11/2025</a:t>
             </a:fld>
             <a:endParaRPr lang="es-MX"/>
           </a:p>
@@ -6184,20 +6184,17 @@
           <p:cNvCxnSpPr>
             <a:cxnSpLocks/>
             <a:stCxn id="697" idx="2"/>
-            <a:endCxn id="15" idx="0"/>
           </p:cNvCxnSpPr>
           <p:nvPr/>
         </p:nvCxnSpPr>
         <p:spPr>
           <a:xfrm rot="5400000" flipH="1" flipV="1">
-            <a:off x="989469" y="4910276"/>
-            <a:ext cx="4485644" cy="5221598"/>
-          </a:xfrm>
-          <a:prstGeom prst="bentConnector5">
+            <a:off x="-595682" y="6233674"/>
+            <a:ext cx="4747397" cy="2313050"/>
+          </a:xfrm>
+          <a:prstGeom prst="bentConnector3">
             <a:avLst>
-              <a:gd name="adj1" fmla="val 106108"/>
-              <a:gd name="adj2" fmla="val 44409"/>
-              <a:gd name="adj3" fmla="val 106094"/>
+              <a:gd name="adj1" fmla="val 99984"/>
             </a:avLst>
           </a:prstGeom>
           <a:ln>
